--- a/PPT/第2章 Oracle 12c的安装.pptx
+++ b/PPT/第2章 Oracle 12c的安装.pptx
@@ -297,7 +297,7 @@
                 <a:ea typeface="微软雅黑" panose="020B0503020204020204" pitchFamily="34" charset="-122"/>
               </a:rPr>
               <a:pPr algn="r" rtl="0"/>
-              <a:t>2017/9/20</a:t>
+              <a:t>2018-10-11</a:t>
             </a:fld>
             <a:endParaRPr lang="zh-CN" altLang="en-US" dirty="0">
               <a:latin typeface="微软雅黑" panose="020B0503020204020204" pitchFamily="34" charset="-122"/>
@@ -578,7 +578,7 @@
             <a:fld id="{3D6AC307-9A4E-426E-95C8-F52C81CF89B7}" type="datetime1">
               <a:rPr lang="zh-CN" altLang="en-US" smtClean="0"/>
               <a:pPr algn="r"/>
-              <a:t>2017/9/20</a:t>
+              <a:t>2018-10-11</a:t>
             </a:fld>
             <a:endParaRPr lang="zh-CN" altLang="en-US" dirty="0"/>
           </a:p>
@@ -1160,7 +1160,7 @@
             <a:fld id="{774111F9-5C57-4623-99A8-181903929449}" type="datetime1">
               <a:rPr lang="zh-CN" altLang="en-US" smtClean="0"/>
               <a:pPr/>
-              <a:t>2017/9/20</a:t>
+              <a:t>2018-10-11</a:t>
             </a:fld>
             <a:endParaRPr lang="zh-CN" altLang="en-US" dirty="0"/>
           </a:p>
@@ -1386,7 +1386,7 @@
             <a:fld id="{801F4328-2F09-4436-A1E0-EF4F2AD9324F}" type="datetime1">
               <a:rPr lang="zh-CN" altLang="en-US" smtClean="0"/>
               <a:pPr/>
-              <a:t>2017/9/20</a:t>
+              <a:t>2018-10-11</a:t>
             </a:fld>
             <a:endParaRPr lang="zh-CN" altLang="en-US" dirty="0"/>
           </a:p>
@@ -1608,7 +1608,7 @@
             <a:fld id="{41ECF2E2-BD61-495B-96F4-3E4D6638FA44}" type="datetime1">
               <a:rPr lang="zh-CN" altLang="en-US" smtClean="0"/>
               <a:pPr/>
-              <a:t>2017/9/20</a:t>
+              <a:t>2018-10-11</a:t>
             </a:fld>
             <a:endParaRPr lang="zh-CN" altLang="en-US" dirty="0"/>
           </a:p>
@@ -1840,7 +1840,7 @@
             <a:fld id="{DEEDE603-9836-44AF-B60C-0D32FC94055C}" type="datetime1">
               <a:rPr lang="zh-CN" altLang="en-US" smtClean="0"/>
               <a:pPr/>
-              <a:t>2017/9/20</a:t>
+              <a:t>2018-10-11</a:t>
             </a:fld>
             <a:endParaRPr lang="zh-CN" altLang="en-US" dirty="0"/>
           </a:p>
@@ -1969,7 +1969,7 @@
             <a:fld id="{2C227164-3D85-435C-AA12-AD66153CE41E}" type="datetime1">
               <a:rPr lang="zh-CN" altLang="en-US" smtClean="0"/>
               <a:pPr/>
-              <a:t>2017/9/20</a:t>
+              <a:t>2018-10-11</a:t>
             </a:fld>
             <a:endParaRPr lang="zh-CN" altLang="en-US" dirty="0"/>
           </a:p>
@@ -2337,7 +2337,7 @@
             <a:fld id="{7B6D6324-D6E1-4361-840C-AFD324E8DE20}" type="datetime1">
               <a:rPr lang="zh-CN" altLang="en-US" smtClean="0"/>
               <a:pPr/>
-              <a:t>2017/9/20</a:t>
+              <a:t>2018-10-11</a:t>
             </a:fld>
             <a:endParaRPr lang="zh-CN" altLang="en-US" dirty="0"/>
           </a:p>
@@ -2634,7 +2634,7 @@
             <a:fld id="{2C227164-3D85-435C-AA12-AD66153CE41E}" type="datetime1">
               <a:rPr lang="zh-CN" altLang="en-US" smtClean="0"/>
               <a:pPr/>
-              <a:t>2017/9/20</a:t>
+              <a:t>2018-10-11</a:t>
             </a:fld>
             <a:endParaRPr lang="zh-CN" altLang="en-US" dirty="0"/>
           </a:p>
@@ -2953,7 +2953,7 @@
             <a:fld id="{B7DFAF75-A946-4F40-AF19-416AABC467DA}" type="datetime1">
               <a:rPr lang="zh-CN" altLang="en-US" smtClean="0"/>
               <a:pPr/>
-              <a:t>2017/9/20</a:t>
+              <a:t>2018-10-11</a:t>
             </a:fld>
             <a:endParaRPr lang="zh-CN" altLang="en-US" dirty="0"/>
           </a:p>
@@ -3254,7 +3254,7 @@
             <a:fld id="{55B4BA9F-6607-4DF4-83A0-720CFF1F75F6}" type="datetime1">
               <a:rPr lang="zh-CN" altLang="en-US" smtClean="0"/>
               <a:pPr/>
-              <a:t>2017/9/20</a:t>
+              <a:t>2018-10-11</a:t>
             </a:fld>
             <a:endParaRPr lang="zh-CN" altLang="en-US" dirty="0"/>
           </a:p>
@@ -3582,7 +3582,7 @@
             <a:fld id="{9DCB5994-13D6-44A4-A45F-84B2984A08F2}" type="datetime1">
               <a:rPr lang="zh-CN" altLang="en-US" smtClean="0"/>
               <a:pPr/>
-              <a:t>2017/9/20</a:t>
+              <a:t>2018-10-11</a:t>
             </a:fld>
             <a:endParaRPr lang="zh-CN" altLang="en-US" dirty="0"/>
           </a:p>
@@ -4050,7 +4050,7 @@
             <a:fld id="{77753520-0FC2-4366-A01D-A16346380C30}" type="datetime1">
               <a:rPr lang="zh-CN" altLang="en-US" smtClean="0"/>
               <a:pPr/>
-              <a:t>2017/9/20</a:t>
+              <a:t>2018-10-11</a:t>
             </a:fld>
             <a:endParaRPr lang="zh-CN" altLang="en-US" dirty="0"/>
           </a:p>
@@ -4366,7 +4366,7 @@
             <a:fld id="{3DFDAEC8-B7FF-4265-A2FF-00BAA80C0462}" type="datetime1">
               <a:rPr lang="zh-CN" altLang="en-US" smtClean="0"/>
               <a:pPr/>
-              <a:t>2017/9/20</a:t>
+              <a:t>2018-10-11</a:t>
             </a:fld>
             <a:endParaRPr lang="zh-CN" altLang="en-US" dirty="0"/>
           </a:p>
@@ -10895,6 +10895,20 @@
               </a:rPr>
               <a:t>数据库连接测试</a:t>
             </a:r>
+            <a:r>
+              <a:rPr lang="en-US" altLang="zh-CN" b="1" dirty="0">
+                <a:effectLst>
+                  <a:glow>
+                    <a:srgbClr val="000000"/>
+                  </a:glow>
+                  <a:outerShdw sx="0" sy="0">
+                    <a:srgbClr val="000000"/>
+                  </a:outerShdw>
+                  <a:reflection stA="0" endPos="0" fadeDir="0" sx="0" sy="0"/>
+                </a:effectLst>
+              </a:rPr>
+              <a:t/>
+            </a:r>
             <a:br>
               <a:rPr lang="en-US" altLang="zh-CN" b="1" dirty="0">
                 <a:effectLst>
@@ -11352,6 +11366,20 @@
                 </a:effectLst>
               </a:rPr>
               <a:t>数据库连接测试</a:t>
+            </a:r>
+            <a:r>
+              <a:rPr lang="en-US" altLang="zh-CN" b="1" dirty="0">
+                <a:effectLst>
+                  <a:glow>
+                    <a:srgbClr val="000000"/>
+                  </a:glow>
+                  <a:outerShdw sx="0" sy="0">
+                    <a:srgbClr val="000000"/>
+                  </a:outerShdw>
+                  <a:reflection stA="0" endPos="0" fadeDir="0" sx="0" sy="0"/>
+                </a:effectLst>
+              </a:rPr>
+              <a:t/>
             </a:r>
             <a:br>
               <a:rPr lang="en-US" altLang="zh-CN" b="1" dirty="0">
@@ -11982,6 +12010,20 @@
               </a:rPr>
               <a:t>数据库连接测试</a:t>
             </a:r>
+            <a:r>
+              <a:rPr lang="en-US" altLang="zh-CN" b="1" dirty="0">
+                <a:effectLst>
+                  <a:glow>
+                    <a:srgbClr val="000000"/>
+                  </a:glow>
+                  <a:outerShdw sx="0" sy="0">
+                    <a:srgbClr val="000000"/>
+                  </a:outerShdw>
+                  <a:reflection stA="0" endPos="0" fadeDir="0" sx="0" sy="0"/>
+                </a:effectLst>
+              </a:rPr>
+              <a:t/>
+            </a:r>
             <a:br>
               <a:rPr lang="en-US" altLang="zh-CN" b="1" dirty="0">
                 <a:effectLst>
@@ -12482,6 +12524,20 @@
               </a:rPr>
               <a:t>系统</a:t>
             </a:r>
+            <a:r>
+              <a:rPr lang="en-US" altLang="zh-CN" b="1" dirty="0">
+                <a:effectLst>
+                  <a:glow>
+                    <a:srgbClr val="000000"/>
+                  </a:glow>
+                  <a:outerShdw sx="0" sy="0">
+                    <a:srgbClr val="000000"/>
+                  </a:outerShdw>
+                  <a:reflection stA="0" endPos="0" fadeDir="0" sx="0" sy="0"/>
+                </a:effectLst>
+              </a:rPr>
+              <a:t/>
+            </a:r>
             <a:br>
               <a:rPr lang="en-US" altLang="zh-CN" b="1" dirty="0">
                 <a:effectLst>
@@ -12826,6 +12882,20 @@
               </a:rPr>
               <a:t>数据库连接测试</a:t>
             </a:r>
+            <a:r>
+              <a:rPr lang="en-US" altLang="zh-CN" b="1" dirty="0">
+                <a:effectLst>
+                  <a:glow>
+                    <a:srgbClr val="000000"/>
+                  </a:glow>
+                  <a:outerShdw sx="0" sy="0">
+                    <a:srgbClr val="000000"/>
+                  </a:outerShdw>
+                  <a:reflection stA="0" endPos="0" fadeDir="0" sx="0" sy="0"/>
+                </a:effectLst>
+              </a:rPr>
+              <a:t/>
+            </a:r>
             <a:br>
               <a:rPr lang="en-US" altLang="zh-CN" b="1" dirty="0">
                 <a:effectLst>
@@ -13329,6 +13399,20 @@
               </a:rPr>
               <a:t>数据库连接测试</a:t>
             </a:r>
+            <a:r>
+              <a:rPr lang="en-US" altLang="zh-CN" b="1" dirty="0">
+                <a:effectLst>
+                  <a:glow>
+                    <a:srgbClr val="000000"/>
+                  </a:glow>
+                  <a:outerShdw sx="0" sy="0">
+                    <a:srgbClr val="000000"/>
+                  </a:outerShdw>
+                  <a:reflection stA="0" endPos="0" fadeDir="0" sx="0" sy="0"/>
+                </a:effectLst>
+              </a:rPr>
+              <a:t/>
+            </a:r>
             <a:br>
               <a:rPr lang="en-US" altLang="zh-CN" b="1" dirty="0">
                 <a:effectLst>
@@ -13861,6 +13945,20 @@
                 </a:effectLst>
               </a:rPr>
               <a:t>数据库连接测试</a:t>
+            </a:r>
+            <a:r>
+              <a:rPr lang="en-US" altLang="zh-CN" b="1" dirty="0">
+                <a:effectLst>
+                  <a:glow>
+                    <a:srgbClr val="000000"/>
+                  </a:glow>
+                  <a:outerShdw sx="0" sy="0">
+                    <a:srgbClr val="000000"/>
+                  </a:outerShdw>
+                  <a:reflection stA="0" endPos="0" fadeDir="0" sx="0" sy="0"/>
+                </a:effectLst>
+              </a:rPr>
+              <a:t/>
             </a:r>
             <a:br>
               <a:rPr lang="en-US" altLang="zh-CN" b="1" dirty="0">
@@ -14914,6 +15012,20 @@
               </a:rPr>
               <a:t>企业管理器</a:t>
             </a:r>
+            <a:r>
+              <a:rPr lang="en-US" altLang="zh-CN" b="1" dirty="0">
+                <a:effectLst>
+                  <a:glow>
+                    <a:srgbClr val="000000"/>
+                  </a:glow>
+                  <a:outerShdw sx="0" sy="0">
+                    <a:srgbClr val="000000"/>
+                  </a:outerShdw>
+                  <a:reflection stA="0" endPos="0" fadeDir="0" sx="0" sy="0"/>
+                </a:effectLst>
+              </a:rPr>
+              <a:t/>
+            </a:r>
             <a:br>
               <a:rPr lang="en-US" altLang="zh-CN" b="1" dirty="0">
                 <a:effectLst>
@@ -15337,6 +15449,20 @@
               </a:rPr>
               <a:t>企业管理器</a:t>
             </a:r>
+            <a:r>
+              <a:rPr lang="en-US" altLang="zh-CN" b="1" dirty="0">
+                <a:effectLst>
+                  <a:glow>
+                    <a:srgbClr val="000000"/>
+                  </a:glow>
+                  <a:outerShdw sx="0" sy="0">
+                    <a:srgbClr val="000000"/>
+                  </a:outerShdw>
+                  <a:reflection stA="0" endPos="0" fadeDir="0" sx="0" sy="0"/>
+                </a:effectLst>
+              </a:rPr>
+              <a:t/>
+            </a:r>
             <a:br>
               <a:rPr lang="en-US" altLang="zh-CN" b="1" dirty="0">
                 <a:effectLst>
@@ -15750,6 +15876,20 @@
               </a:rPr>
               <a:t>企业管理器</a:t>
             </a:r>
+            <a:r>
+              <a:rPr lang="en-US" altLang="zh-CN" b="1" dirty="0">
+                <a:effectLst>
+                  <a:glow>
+                    <a:srgbClr val="000000"/>
+                  </a:glow>
+                  <a:outerShdw sx="0" sy="0">
+                    <a:srgbClr val="000000"/>
+                  </a:outerShdw>
+                  <a:reflection stA="0" endPos="0" fadeDir="0" sx="0" sy="0"/>
+                </a:effectLst>
+              </a:rPr>
+              <a:t/>
+            </a:r>
             <a:br>
               <a:rPr lang="en-US" altLang="zh-CN" b="1" dirty="0">
                 <a:effectLst>
@@ -16111,6 +16251,20 @@
               </a:rPr>
               <a:t>企业管理器</a:t>
             </a:r>
+            <a:r>
+              <a:rPr lang="en-US" altLang="zh-CN" b="1" dirty="0">
+                <a:effectLst>
+                  <a:glow>
+                    <a:srgbClr val="000000"/>
+                  </a:glow>
+                  <a:outerShdw sx="0" sy="0">
+                    <a:srgbClr val="000000"/>
+                  </a:outerShdw>
+                  <a:reflection stA="0" endPos="0" fadeDir="0" sx="0" sy="0"/>
+                </a:effectLst>
+              </a:rPr>
+              <a:t/>
+            </a:r>
             <a:br>
               <a:rPr lang="en-US" altLang="zh-CN" b="1" dirty="0">
                 <a:effectLst>
@@ -16588,6 +16742,20 @@
               </a:rPr>
               <a:t>系统</a:t>
             </a:r>
+            <a:r>
+              <a:rPr lang="en-US" altLang="zh-CN" b="1" dirty="0">
+                <a:effectLst>
+                  <a:glow>
+                    <a:srgbClr val="000000"/>
+                  </a:glow>
+                  <a:outerShdw sx="0" sy="0">
+                    <a:srgbClr val="000000"/>
+                  </a:outerShdw>
+                  <a:reflection stA="0" endPos="0" fadeDir="0" sx="0" sy="0"/>
+                </a:effectLst>
+              </a:rPr>
+              <a:t/>
+            </a:r>
             <a:br>
               <a:rPr lang="en-US" altLang="zh-CN" b="1" dirty="0">
                 <a:effectLst>
@@ -16842,6 +17010,16 @@
                 <a:cs typeface="Arial" panose="020B0604020202020204" pitchFamily="34" charset="0"/>
               </a:rPr>
               <a:t>=1024 </a:t>
+            </a:r>
+            <a:r>
+              <a:rPr lang="en-US" altLang="zh-CN" sz="2900" dirty="0" smtClean="0">
+                <a:highlight>
+                  <a:srgbClr val="C0C0C0"/>
+                </a:highlight>
+                <a:latin typeface="Arial" panose="020B0604020202020204" pitchFamily="34" charset="0"/>
+                <a:cs typeface="Arial" panose="020B0604020202020204" pitchFamily="34" charset="0"/>
+              </a:rPr>
+              <a:t>count=10240000</a:t>
             </a:r>
             <a:endParaRPr lang="zh-CN" altLang="zh-CN" sz="2900" dirty="0">
               <a:highlight>
@@ -17123,6 +17301,20 @@
               </a:rPr>
               <a:t>企业管理器</a:t>
             </a:r>
+            <a:r>
+              <a:rPr lang="en-US" altLang="zh-CN" b="1" dirty="0">
+                <a:effectLst>
+                  <a:glow>
+                    <a:srgbClr val="000000"/>
+                  </a:glow>
+                  <a:outerShdw sx="0" sy="0">
+                    <a:srgbClr val="000000"/>
+                  </a:outerShdw>
+                  <a:reflection stA="0" endPos="0" fadeDir="0" sx="0" sy="0"/>
+                </a:effectLst>
+              </a:rPr>
+              <a:t/>
+            </a:r>
             <a:br>
               <a:rPr lang="en-US" altLang="zh-CN" b="1" dirty="0">
                 <a:effectLst>
@@ -17525,6 +17717,20 @@
               </a:rPr>
               <a:t>安装后的检测</a:t>
             </a:r>
+            <a:r>
+              <a:rPr lang="en-US" altLang="zh-CN" b="1" dirty="0">
+                <a:effectLst>
+                  <a:glow>
+                    <a:srgbClr val="000000"/>
+                  </a:glow>
+                  <a:outerShdw sx="0" sy="0">
+                    <a:srgbClr val="000000"/>
+                  </a:outerShdw>
+                  <a:reflection stA="0" endPos="0" fadeDir="0" sx="0" sy="0"/>
+                </a:effectLst>
+              </a:rPr>
+              <a:t/>
+            </a:r>
             <a:br>
               <a:rPr lang="en-US" altLang="zh-CN" b="1" dirty="0">
                 <a:effectLst>
@@ -17876,6 +18082,20 @@
               </a:rPr>
               <a:t>安装后的检测</a:t>
             </a:r>
+            <a:r>
+              <a:rPr lang="en-US" altLang="zh-CN" b="1" dirty="0">
+                <a:effectLst>
+                  <a:glow>
+                    <a:srgbClr val="000000"/>
+                  </a:glow>
+                  <a:outerShdw sx="0" sy="0">
+                    <a:srgbClr val="000000"/>
+                  </a:outerShdw>
+                  <a:reflection stA="0" endPos="0" fadeDir="0" sx="0" sy="0"/>
+                </a:effectLst>
+              </a:rPr>
+              <a:t/>
+            </a:r>
             <a:br>
               <a:rPr lang="en-US" altLang="zh-CN" b="1" dirty="0">
                 <a:effectLst>
@@ -18182,6 +18402,20 @@
               </a:rPr>
               <a:t>安装后的检测</a:t>
             </a:r>
+            <a:r>
+              <a:rPr lang="en-US" altLang="zh-CN" b="1" dirty="0">
+                <a:effectLst>
+                  <a:glow>
+                    <a:srgbClr val="000000"/>
+                  </a:glow>
+                  <a:outerShdw sx="0" sy="0">
+                    <a:srgbClr val="000000"/>
+                  </a:outerShdw>
+                  <a:reflection stA="0" endPos="0" fadeDir="0" sx="0" sy="0"/>
+                </a:effectLst>
+              </a:rPr>
+              <a:t/>
+            </a:r>
             <a:br>
               <a:rPr lang="en-US" altLang="zh-CN" b="1" dirty="0">
                 <a:effectLst>
@@ -18556,6 +18790,20 @@
               </a:rPr>
               <a:t>安装后的检测</a:t>
             </a:r>
+            <a:r>
+              <a:rPr lang="en-US" altLang="zh-CN" b="1" dirty="0">
+                <a:effectLst>
+                  <a:glow>
+                    <a:srgbClr val="000000"/>
+                  </a:glow>
+                  <a:outerShdw sx="0" sy="0">
+                    <a:srgbClr val="000000"/>
+                  </a:outerShdw>
+                  <a:reflection stA="0" endPos="0" fadeDir="0" sx="0" sy="0"/>
+                </a:effectLst>
+              </a:rPr>
+              <a:t/>
+            </a:r>
             <a:br>
               <a:rPr lang="en-US" altLang="zh-CN" b="1" dirty="0">
                 <a:effectLst>
@@ -18958,6 +19206,20 @@
               </a:rPr>
               <a:t>安装后的检测</a:t>
             </a:r>
+            <a:r>
+              <a:rPr lang="en-US" altLang="zh-CN" b="1" dirty="0">
+                <a:effectLst>
+                  <a:glow>
+                    <a:srgbClr val="000000"/>
+                  </a:glow>
+                  <a:outerShdw sx="0" sy="0">
+                    <a:srgbClr val="000000"/>
+                  </a:outerShdw>
+                  <a:reflection stA="0" endPos="0" fadeDir="0" sx="0" sy="0"/>
+                </a:effectLst>
+              </a:rPr>
+              <a:t/>
+            </a:r>
             <a:br>
               <a:rPr lang="en-US" altLang="zh-CN" b="1" dirty="0">
                 <a:effectLst>
@@ -19276,6 +19538,20 @@
               </a:rPr>
               <a:t>安装后的检测</a:t>
             </a:r>
+            <a:r>
+              <a:rPr lang="en-US" altLang="zh-CN" b="1" dirty="0">
+                <a:effectLst>
+                  <a:glow>
+                    <a:srgbClr val="000000"/>
+                  </a:glow>
+                  <a:outerShdw sx="0" sy="0">
+                    <a:srgbClr val="000000"/>
+                  </a:outerShdw>
+                  <a:reflection stA="0" endPos="0" fadeDir="0" sx="0" sy="0"/>
+                </a:effectLst>
+              </a:rPr>
+              <a:t/>
+            </a:r>
             <a:br>
               <a:rPr lang="en-US" altLang="zh-CN" b="1" dirty="0">
                 <a:effectLst>
@@ -19802,6 +20078,20 @@
               </a:rPr>
               <a:t>安装后的检测</a:t>
             </a:r>
+            <a:r>
+              <a:rPr lang="en-US" altLang="zh-CN" b="1" dirty="0">
+                <a:effectLst>
+                  <a:glow>
+                    <a:srgbClr val="000000"/>
+                  </a:glow>
+                  <a:outerShdw sx="0" sy="0">
+                    <a:srgbClr val="000000"/>
+                  </a:outerShdw>
+                  <a:reflection stA="0" endPos="0" fadeDir="0" sx="0" sy="0"/>
+                </a:effectLst>
+              </a:rPr>
+              <a:t/>
+            </a:r>
             <a:br>
               <a:rPr lang="en-US" altLang="zh-CN" b="1" dirty="0">
                 <a:effectLst>
@@ -21257,6 +21547,20 @@
                 </a:effectLst>
               </a:rPr>
               <a:t>系统</a:t>
+            </a:r>
+            <a:r>
+              <a:rPr lang="en-US" altLang="zh-CN" b="1" dirty="0">
+                <a:effectLst>
+                  <a:glow>
+                    <a:srgbClr val="000000"/>
+                  </a:glow>
+                  <a:outerShdw sx="0" sy="0">
+                    <a:srgbClr val="000000"/>
+                  </a:outerShdw>
+                  <a:reflection stA="0" endPos="0" fadeDir="0" sx="0" sy="0"/>
+                </a:effectLst>
+              </a:rPr>
+              <a:t/>
             </a:r>
             <a:br>
               <a:rPr lang="en-US" altLang="zh-CN" b="1" dirty="0">
@@ -22510,6 +22814,20 @@
               </a:rPr>
               <a:t>系统</a:t>
             </a:r>
+            <a:r>
+              <a:rPr lang="en-US" altLang="zh-CN" b="1" dirty="0">
+                <a:effectLst>
+                  <a:glow>
+                    <a:srgbClr val="000000"/>
+                  </a:glow>
+                  <a:outerShdw sx="0" sy="0">
+                    <a:srgbClr val="000000"/>
+                  </a:outerShdw>
+                  <a:reflection stA="0" endPos="0" fadeDir="0" sx="0" sy="0"/>
+                </a:effectLst>
+              </a:rPr>
+              <a:t/>
+            </a:r>
             <a:br>
               <a:rPr lang="en-US" altLang="zh-CN" b="1" dirty="0">
                 <a:effectLst>
@@ -23271,6 +23589,20 @@
               </a:rPr>
               <a:t>系统</a:t>
             </a:r>
+            <a:r>
+              <a:rPr lang="en-US" altLang="zh-CN" b="1" dirty="0">
+                <a:effectLst>
+                  <a:glow>
+                    <a:srgbClr val="000000"/>
+                  </a:glow>
+                  <a:outerShdw sx="0" sy="0">
+                    <a:srgbClr val="000000"/>
+                  </a:outerShdw>
+                  <a:reflection stA="0" endPos="0" fadeDir="0" sx="0" sy="0"/>
+                </a:effectLst>
+              </a:rPr>
+              <a:t/>
+            </a:r>
             <a:br>
               <a:rPr lang="en-US" altLang="zh-CN" b="1" dirty="0">
                 <a:effectLst>
@@ -23663,6 +23995,20 @@
                 </a:effectLst>
               </a:rPr>
               <a:t>系统</a:t>
+            </a:r>
+            <a:r>
+              <a:rPr lang="en-US" altLang="zh-CN" b="1" dirty="0">
+                <a:effectLst>
+                  <a:glow>
+                    <a:srgbClr val="000000"/>
+                  </a:glow>
+                  <a:outerShdw sx="0" sy="0">
+                    <a:srgbClr val="000000"/>
+                  </a:outerShdw>
+                  <a:reflection stA="0" endPos="0" fadeDir="0" sx="0" sy="0"/>
+                </a:effectLst>
+              </a:rPr>
+              <a:t/>
             </a:r>
             <a:br>
               <a:rPr lang="en-US" altLang="zh-CN" b="1" dirty="0">
@@ -24627,6 +24973,132 @@
 </file>
 
 <file path=customXml/item1.xml><?xml version="1.0" encoding="utf-8"?>
+<p:properties xmlns:p="http://schemas.microsoft.com/office/2006/metadata/properties" xmlns:xsi="http://www.w3.org/2001/XMLSchema-instance" xmlns:pc="http://schemas.microsoft.com/office/infopath/2007/PartnerControls">
+  <documentManagement>
+    <DirectSourceMarket xmlns="4873beb7-5857-4685-be1f-d57550cc96cc" xsi:nil="true"/>
+    <ApprovalStatus xmlns="4873beb7-5857-4685-be1f-d57550cc96cc">InProgress</ApprovalStatus>
+    <MarketSpecific xmlns="4873beb7-5857-4685-be1f-d57550cc96cc">false</MarketSpecific>
+    <LocComments xmlns="4873beb7-5857-4685-be1f-d57550cc96cc" xsi:nil="true"/>
+    <ThumbnailAssetId xmlns="4873beb7-5857-4685-be1f-d57550cc96cc" xsi:nil="true"/>
+    <PrimaryImageGen xmlns="4873beb7-5857-4685-be1f-d57550cc96cc">false</PrimaryImageGen>
+    <LegacyData xmlns="4873beb7-5857-4685-be1f-d57550cc96cc" xsi:nil="true"/>
+    <LocRecommendedHandoff xmlns="4873beb7-5857-4685-be1f-d57550cc96cc" xsi:nil="true"/>
+    <BusinessGroup xmlns="4873beb7-5857-4685-be1f-d57550cc96cc" xsi:nil="true"/>
+    <BlockPublish xmlns="4873beb7-5857-4685-be1f-d57550cc96cc">false</BlockPublish>
+    <TPFriendlyName xmlns="4873beb7-5857-4685-be1f-d57550cc96cc" xsi:nil="true"/>
+    <NumericId xmlns="4873beb7-5857-4685-be1f-d57550cc96cc" xsi:nil="true"/>
+    <APEditor xmlns="4873beb7-5857-4685-be1f-d57550cc96cc">
+      <UserInfo>
+        <DisplayName/>
+        <AccountId xsi:nil="true"/>
+        <AccountType/>
+      </UserInfo>
+    </APEditor>
+    <SourceTitle xmlns="4873beb7-5857-4685-be1f-d57550cc96cc" xsi:nil="true"/>
+    <OpenTemplate xmlns="4873beb7-5857-4685-be1f-d57550cc96cc">true</OpenTemplate>
+    <UALocComments xmlns="4873beb7-5857-4685-be1f-d57550cc96cc" xsi:nil="true"/>
+    <ParentAssetId xmlns="4873beb7-5857-4685-be1f-d57550cc96cc" xsi:nil="true"/>
+    <IntlLangReviewDate xmlns="4873beb7-5857-4685-be1f-d57550cc96cc" xsi:nil="true"/>
+    <FeatureTagsTaxHTField0 xmlns="4873beb7-5857-4685-be1f-d57550cc96cc">
+      <Terms xmlns="http://schemas.microsoft.com/office/infopath/2007/PartnerControls"/>
+    </FeatureTagsTaxHTField0>
+    <PublishStatusLookup xmlns="4873beb7-5857-4685-be1f-d57550cc96cc">
+      <Value>1360506</Value>
+    </PublishStatusLookup>
+    <Providers xmlns="4873beb7-5857-4685-be1f-d57550cc96cc" xsi:nil="true"/>
+    <MachineTranslated xmlns="4873beb7-5857-4685-be1f-d57550cc96cc">false</MachineTranslated>
+    <OriginalSourceMarket xmlns="4873beb7-5857-4685-be1f-d57550cc96cc" xsi:nil="true"/>
+    <APDescription xmlns="4873beb7-5857-4685-be1f-d57550cc96cc" xsi:nil="true"/>
+    <ClipArtFilename xmlns="4873beb7-5857-4685-be1f-d57550cc96cc" xsi:nil="true"/>
+    <ContentItem xmlns="4873beb7-5857-4685-be1f-d57550cc96cc" xsi:nil="true"/>
+    <TPInstallLocation xmlns="4873beb7-5857-4685-be1f-d57550cc96cc" xsi:nil="true"/>
+    <PublishTargets xmlns="4873beb7-5857-4685-be1f-d57550cc96cc">OfficeOnlineVNext</PublishTargets>
+    <TimesCloned xmlns="4873beb7-5857-4685-be1f-d57550cc96cc" xsi:nil="true"/>
+    <AssetStart xmlns="4873beb7-5857-4685-be1f-d57550cc96cc">2011-12-12T13:37:00+00:00</AssetStart>
+    <Provider xmlns="4873beb7-5857-4685-be1f-d57550cc96cc" xsi:nil="true"/>
+    <AcquiredFrom xmlns="4873beb7-5857-4685-be1f-d57550cc96cc">Internal MS</AcquiredFrom>
+    <FriendlyTitle xmlns="4873beb7-5857-4685-be1f-d57550cc96cc" xsi:nil="true"/>
+    <LastHandOff xmlns="4873beb7-5857-4685-be1f-d57550cc96cc" xsi:nil="true"/>
+    <TPClientViewer xmlns="4873beb7-5857-4685-be1f-d57550cc96cc" xsi:nil="true"/>
+    <UACurrentWords xmlns="4873beb7-5857-4685-be1f-d57550cc96cc" xsi:nil="true"/>
+    <ArtSampleDocs xmlns="4873beb7-5857-4685-be1f-d57550cc96cc" xsi:nil="true"/>
+    <UALocRecommendation xmlns="4873beb7-5857-4685-be1f-d57550cc96cc">Localize</UALocRecommendation>
+    <Manager xmlns="4873beb7-5857-4685-be1f-d57550cc96cc" xsi:nil="true"/>
+    <ShowIn xmlns="4873beb7-5857-4685-be1f-d57550cc96cc">Show everywhere</ShowIn>
+    <UANotes xmlns="4873beb7-5857-4685-be1f-d57550cc96cc" xsi:nil="true"/>
+    <TemplateStatus xmlns="4873beb7-5857-4685-be1f-d57550cc96cc">Complete</TemplateStatus>
+    <InternalTagsTaxHTField0 xmlns="4873beb7-5857-4685-be1f-d57550cc96cc">
+      <Terms xmlns="http://schemas.microsoft.com/office/infopath/2007/PartnerControls"/>
+    </InternalTagsTaxHTField0>
+    <CSXHash xmlns="4873beb7-5857-4685-be1f-d57550cc96cc" xsi:nil="true"/>
+    <Downloads xmlns="4873beb7-5857-4685-be1f-d57550cc96cc">0</Downloads>
+    <VoteCount xmlns="4873beb7-5857-4685-be1f-d57550cc96cc" xsi:nil="true"/>
+    <OOCacheId xmlns="4873beb7-5857-4685-be1f-d57550cc96cc" xsi:nil="true"/>
+    <IsDeleted xmlns="4873beb7-5857-4685-be1f-d57550cc96cc">false</IsDeleted>
+    <AssetExpire xmlns="4873beb7-5857-4685-be1f-d57550cc96cc">2035-01-01T08:00:00+00:00</AssetExpire>
+    <DSATActionTaken xmlns="4873beb7-5857-4685-be1f-d57550cc96cc" xsi:nil="true"/>
+    <CSXSubmissionMarket xmlns="4873beb7-5857-4685-be1f-d57550cc96cc" xsi:nil="true"/>
+    <TPExecutable xmlns="4873beb7-5857-4685-be1f-d57550cc96cc" xsi:nil="true"/>
+    <SubmitterId xmlns="4873beb7-5857-4685-be1f-d57550cc96cc" xsi:nil="true"/>
+    <EditorialTags xmlns="4873beb7-5857-4685-be1f-d57550cc96cc" xsi:nil="true"/>
+    <ApprovalLog xmlns="4873beb7-5857-4685-be1f-d57550cc96cc" xsi:nil="true"/>
+    <AssetType xmlns="4873beb7-5857-4685-be1f-d57550cc96cc">TP</AssetType>
+    <BugNumber xmlns="4873beb7-5857-4685-be1f-d57550cc96cc" xsi:nil="true"/>
+    <CSXSubmissionDate xmlns="4873beb7-5857-4685-be1f-d57550cc96cc" xsi:nil="true"/>
+    <CSXUpdate xmlns="4873beb7-5857-4685-be1f-d57550cc96cc">false</CSXUpdate>
+    <Milestone xmlns="4873beb7-5857-4685-be1f-d57550cc96cc" xsi:nil="true"/>
+    <RecommendationsModifier xmlns="4873beb7-5857-4685-be1f-d57550cc96cc" xsi:nil="true"/>
+    <OriginAsset xmlns="4873beb7-5857-4685-be1f-d57550cc96cc" xsi:nil="true"/>
+    <TPComponent xmlns="4873beb7-5857-4685-be1f-d57550cc96cc" xsi:nil="true"/>
+    <AssetId xmlns="4873beb7-5857-4685-be1f-d57550cc96cc">TP102801108</AssetId>
+    <IntlLocPriority xmlns="4873beb7-5857-4685-be1f-d57550cc96cc" xsi:nil="true"/>
+    <PolicheckWords xmlns="4873beb7-5857-4685-be1f-d57550cc96cc" xsi:nil="true"/>
+    <TPLaunchHelpLink xmlns="4873beb7-5857-4685-be1f-d57550cc96cc" xsi:nil="true"/>
+    <TPApplication xmlns="4873beb7-5857-4685-be1f-d57550cc96cc" xsi:nil="true"/>
+    <CrawlForDependencies xmlns="4873beb7-5857-4685-be1f-d57550cc96cc">false</CrawlForDependencies>
+    <HandoffToMSDN xmlns="4873beb7-5857-4685-be1f-d57550cc96cc" xsi:nil="true"/>
+    <PlannedPubDate xmlns="4873beb7-5857-4685-be1f-d57550cc96cc" xsi:nil="true"/>
+    <IntlLangReviewer xmlns="4873beb7-5857-4685-be1f-d57550cc96cc" xsi:nil="true"/>
+    <TrustLevel xmlns="4873beb7-5857-4685-be1f-d57550cc96cc">1 Microsoft Managed Content</TrustLevel>
+    <LocLastLocAttemptVersionLookup xmlns="4873beb7-5857-4685-be1f-d57550cc96cc">706526</LocLastLocAttemptVersionLookup>
+    <IsSearchable xmlns="4873beb7-5857-4685-be1f-d57550cc96cc">true</IsSearchable>
+    <TemplateTemplateType xmlns="4873beb7-5857-4685-be1f-d57550cc96cc">PowerPoint Presentation Template</TemplateTemplateType>
+    <CampaignTagsTaxHTField0 xmlns="4873beb7-5857-4685-be1f-d57550cc96cc">
+      <Terms xmlns="http://schemas.microsoft.com/office/infopath/2007/PartnerControls"/>
+    </CampaignTagsTaxHTField0>
+    <TPNamespace xmlns="4873beb7-5857-4685-be1f-d57550cc96cc" xsi:nil="true"/>
+    <TaxCatchAll xmlns="4873beb7-5857-4685-be1f-d57550cc96cc"/>
+    <Markets xmlns="4873beb7-5857-4685-be1f-d57550cc96cc"/>
+    <UAProjectedTotalWords xmlns="4873beb7-5857-4685-be1f-d57550cc96cc" xsi:nil="true"/>
+    <IntlLangReview xmlns="4873beb7-5857-4685-be1f-d57550cc96cc">false</IntlLangReview>
+    <OutputCachingOn xmlns="4873beb7-5857-4685-be1f-d57550cc96cc">false</OutputCachingOn>
+    <AverageRating xmlns="4873beb7-5857-4685-be1f-d57550cc96cc" xsi:nil="true"/>
+    <APAuthor xmlns="4873beb7-5857-4685-be1f-d57550cc96cc">
+      <UserInfo>
+        <DisplayName>REDMOND\v-soujap</DisplayName>
+        <AccountId>1954</AccountId>
+        <AccountType/>
+      </UserInfo>
+    </APAuthor>
+    <LocManualTestRequired xmlns="4873beb7-5857-4685-be1f-d57550cc96cc">false</LocManualTestRequired>
+    <TPCommandLine xmlns="4873beb7-5857-4685-be1f-d57550cc96cc" xsi:nil="true"/>
+    <TPAppVersion xmlns="4873beb7-5857-4685-be1f-d57550cc96cc" xsi:nil="true"/>
+    <EditorialStatus xmlns="4873beb7-5857-4685-be1f-d57550cc96cc">Complete</EditorialStatus>
+    <LastModifiedDateTime xmlns="4873beb7-5857-4685-be1f-d57550cc96cc" xsi:nil="true"/>
+    <ScenarioTagsTaxHTField0 xmlns="4873beb7-5857-4685-be1f-d57550cc96cc">
+      <Terms xmlns="http://schemas.microsoft.com/office/infopath/2007/PartnerControls"/>
+    </ScenarioTagsTaxHTField0>
+    <OriginalRelease xmlns="4873beb7-5857-4685-be1f-d57550cc96cc">14</OriginalRelease>
+    <TPLaunchHelpLinkType xmlns="4873beb7-5857-4685-be1f-d57550cc96cc">Template</TPLaunchHelpLinkType>
+    <LocalizationTagsTaxHTField0 xmlns="4873beb7-5857-4685-be1f-d57550cc96cc">
+      <Terms xmlns="http://schemas.microsoft.com/office/infopath/2007/PartnerControls"/>
+    </LocalizationTagsTaxHTField0>
+    <LocMarketGroupTiers2 xmlns="4873beb7-5857-4685-be1f-d57550cc96cc" xsi:nil="true"/>
+  </documentManagement>
+</p:properties>
+</file>
+
+<file path=customXml/item2.xml><?xml version="1.0" encoding="utf-8"?>
 <?mso-contentType ?>
 <FormTemplates xmlns="http://schemas.microsoft.com/sharepoint/v3/contenttype/forms">
   <Display>DocumentLibraryForm</Display>
@@ -24635,7 +25107,7 @@
 </FormTemplates>
 </file>
 
-<file path=customXml/item2.xml><?xml version="1.0" encoding="utf-8"?>
+<file path=customXml/item3.xml><?xml version="1.0" encoding="utf-8"?>
 <ct:contentTypeSchema xmlns:ct="http://schemas.microsoft.com/office/2006/metadata/contentType" xmlns:ma="http://schemas.microsoft.com/office/2006/metadata/properties/metaAttributes" ct:_="" ma:_="" ma:contentTypeName="TemplateFile" ma:contentTypeID="0x0101006EDDDB5EE6D98C44930B742096920B300400F5B6D36B3EF94B4E9A635CDF2A18F5B8" ma:contentTypeVersion="72" ma:contentTypeDescription="Create a new document." ma:contentTypeScope="" ma:versionID="a23e56308344d904b51738559c3d67c9">
   <xsd:schema xmlns:xsd="http://www.w3.org/2001/XMLSchema" xmlns:xs="http://www.w3.org/2001/XMLSchema" xmlns:p="http://schemas.microsoft.com/office/2006/metadata/properties" xmlns:ns2="4873beb7-5857-4685-be1f-d57550cc96cc" targetNamespace="http://schemas.microsoft.com/office/2006/metadata/properties" ma:root="true" ma:fieldsID="cd0908cc4600e77bf5da051303e00c8d" ns2:_="">
     <xsd:import namespace="4873beb7-5857-4685-be1f-d57550cc96cc"/>
@@ -25675,133 +26147,23 @@
 </ct:contentTypeSchema>
 </file>
 
-<file path=customXml/item3.xml><?xml version="1.0" encoding="utf-8"?>
-<p:properties xmlns:p="http://schemas.microsoft.com/office/2006/metadata/properties" xmlns:xsi="http://www.w3.org/2001/XMLSchema-instance" xmlns:pc="http://schemas.microsoft.com/office/infopath/2007/PartnerControls">
-  <documentManagement>
-    <DirectSourceMarket xmlns="4873beb7-5857-4685-be1f-d57550cc96cc" xsi:nil="true"/>
-    <ApprovalStatus xmlns="4873beb7-5857-4685-be1f-d57550cc96cc">InProgress</ApprovalStatus>
-    <MarketSpecific xmlns="4873beb7-5857-4685-be1f-d57550cc96cc">false</MarketSpecific>
-    <LocComments xmlns="4873beb7-5857-4685-be1f-d57550cc96cc" xsi:nil="true"/>
-    <ThumbnailAssetId xmlns="4873beb7-5857-4685-be1f-d57550cc96cc" xsi:nil="true"/>
-    <PrimaryImageGen xmlns="4873beb7-5857-4685-be1f-d57550cc96cc">false</PrimaryImageGen>
-    <LegacyData xmlns="4873beb7-5857-4685-be1f-d57550cc96cc" xsi:nil="true"/>
-    <LocRecommendedHandoff xmlns="4873beb7-5857-4685-be1f-d57550cc96cc" xsi:nil="true"/>
-    <BusinessGroup xmlns="4873beb7-5857-4685-be1f-d57550cc96cc" xsi:nil="true"/>
-    <BlockPublish xmlns="4873beb7-5857-4685-be1f-d57550cc96cc">false</BlockPublish>
-    <TPFriendlyName xmlns="4873beb7-5857-4685-be1f-d57550cc96cc" xsi:nil="true"/>
-    <NumericId xmlns="4873beb7-5857-4685-be1f-d57550cc96cc" xsi:nil="true"/>
-    <APEditor xmlns="4873beb7-5857-4685-be1f-d57550cc96cc">
-      <UserInfo>
-        <DisplayName/>
-        <AccountId xsi:nil="true"/>
-        <AccountType/>
-      </UserInfo>
-    </APEditor>
-    <SourceTitle xmlns="4873beb7-5857-4685-be1f-d57550cc96cc" xsi:nil="true"/>
-    <OpenTemplate xmlns="4873beb7-5857-4685-be1f-d57550cc96cc">true</OpenTemplate>
-    <UALocComments xmlns="4873beb7-5857-4685-be1f-d57550cc96cc" xsi:nil="true"/>
-    <ParentAssetId xmlns="4873beb7-5857-4685-be1f-d57550cc96cc" xsi:nil="true"/>
-    <IntlLangReviewDate xmlns="4873beb7-5857-4685-be1f-d57550cc96cc" xsi:nil="true"/>
-    <FeatureTagsTaxHTField0 xmlns="4873beb7-5857-4685-be1f-d57550cc96cc">
-      <Terms xmlns="http://schemas.microsoft.com/office/infopath/2007/PartnerControls"/>
-    </FeatureTagsTaxHTField0>
-    <PublishStatusLookup xmlns="4873beb7-5857-4685-be1f-d57550cc96cc">
-      <Value>1360506</Value>
-    </PublishStatusLookup>
-    <Providers xmlns="4873beb7-5857-4685-be1f-d57550cc96cc" xsi:nil="true"/>
-    <MachineTranslated xmlns="4873beb7-5857-4685-be1f-d57550cc96cc">false</MachineTranslated>
-    <OriginalSourceMarket xmlns="4873beb7-5857-4685-be1f-d57550cc96cc" xsi:nil="true"/>
-    <APDescription xmlns="4873beb7-5857-4685-be1f-d57550cc96cc" xsi:nil="true"/>
-    <ClipArtFilename xmlns="4873beb7-5857-4685-be1f-d57550cc96cc" xsi:nil="true"/>
-    <ContentItem xmlns="4873beb7-5857-4685-be1f-d57550cc96cc" xsi:nil="true"/>
-    <TPInstallLocation xmlns="4873beb7-5857-4685-be1f-d57550cc96cc" xsi:nil="true"/>
-    <PublishTargets xmlns="4873beb7-5857-4685-be1f-d57550cc96cc">OfficeOnlineVNext</PublishTargets>
-    <TimesCloned xmlns="4873beb7-5857-4685-be1f-d57550cc96cc" xsi:nil="true"/>
-    <AssetStart xmlns="4873beb7-5857-4685-be1f-d57550cc96cc">2011-12-12T13:37:00+00:00</AssetStart>
-    <Provider xmlns="4873beb7-5857-4685-be1f-d57550cc96cc" xsi:nil="true"/>
-    <AcquiredFrom xmlns="4873beb7-5857-4685-be1f-d57550cc96cc">Internal MS</AcquiredFrom>
-    <FriendlyTitle xmlns="4873beb7-5857-4685-be1f-d57550cc96cc" xsi:nil="true"/>
-    <LastHandOff xmlns="4873beb7-5857-4685-be1f-d57550cc96cc" xsi:nil="true"/>
-    <TPClientViewer xmlns="4873beb7-5857-4685-be1f-d57550cc96cc" xsi:nil="true"/>
-    <UACurrentWords xmlns="4873beb7-5857-4685-be1f-d57550cc96cc" xsi:nil="true"/>
-    <ArtSampleDocs xmlns="4873beb7-5857-4685-be1f-d57550cc96cc" xsi:nil="true"/>
-    <UALocRecommendation xmlns="4873beb7-5857-4685-be1f-d57550cc96cc">Localize</UALocRecommendation>
-    <Manager xmlns="4873beb7-5857-4685-be1f-d57550cc96cc" xsi:nil="true"/>
-    <ShowIn xmlns="4873beb7-5857-4685-be1f-d57550cc96cc">Show everywhere</ShowIn>
-    <UANotes xmlns="4873beb7-5857-4685-be1f-d57550cc96cc" xsi:nil="true"/>
-    <TemplateStatus xmlns="4873beb7-5857-4685-be1f-d57550cc96cc">Complete</TemplateStatus>
-    <InternalTagsTaxHTField0 xmlns="4873beb7-5857-4685-be1f-d57550cc96cc">
-      <Terms xmlns="http://schemas.microsoft.com/office/infopath/2007/PartnerControls"/>
-    </InternalTagsTaxHTField0>
-    <CSXHash xmlns="4873beb7-5857-4685-be1f-d57550cc96cc" xsi:nil="true"/>
-    <Downloads xmlns="4873beb7-5857-4685-be1f-d57550cc96cc">0</Downloads>
-    <VoteCount xmlns="4873beb7-5857-4685-be1f-d57550cc96cc" xsi:nil="true"/>
-    <OOCacheId xmlns="4873beb7-5857-4685-be1f-d57550cc96cc" xsi:nil="true"/>
-    <IsDeleted xmlns="4873beb7-5857-4685-be1f-d57550cc96cc">false</IsDeleted>
-    <AssetExpire xmlns="4873beb7-5857-4685-be1f-d57550cc96cc">2035-01-01T08:00:00+00:00</AssetExpire>
-    <DSATActionTaken xmlns="4873beb7-5857-4685-be1f-d57550cc96cc" xsi:nil="true"/>
-    <CSXSubmissionMarket xmlns="4873beb7-5857-4685-be1f-d57550cc96cc" xsi:nil="true"/>
-    <TPExecutable xmlns="4873beb7-5857-4685-be1f-d57550cc96cc" xsi:nil="true"/>
-    <SubmitterId xmlns="4873beb7-5857-4685-be1f-d57550cc96cc" xsi:nil="true"/>
-    <EditorialTags xmlns="4873beb7-5857-4685-be1f-d57550cc96cc" xsi:nil="true"/>
-    <ApprovalLog xmlns="4873beb7-5857-4685-be1f-d57550cc96cc" xsi:nil="true"/>
-    <AssetType xmlns="4873beb7-5857-4685-be1f-d57550cc96cc">TP</AssetType>
-    <BugNumber xmlns="4873beb7-5857-4685-be1f-d57550cc96cc" xsi:nil="true"/>
-    <CSXSubmissionDate xmlns="4873beb7-5857-4685-be1f-d57550cc96cc" xsi:nil="true"/>
-    <CSXUpdate xmlns="4873beb7-5857-4685-be1f-d57550cc96cc">false</CSXUpdate>
-    <Milestone xmlns="4873beb7-5857-4685-be1f-d57550cc96cc" xsi:nil="true"/>
-    <RecommendationsModifier xmlns="4873beb7-5857-4685-be1f-d57550cc96cc" xsi:nil="true"/>
-    <OriginAsset xmlns="4873beb7-5857-4685-be1f-d57550cc96cc" xsi:nil="true"/>
-    <TPComponent xmlns="4873beb7-5857-4685-be1f-d57550cc96cc" xsi:nil="true"/>
-    <AssetId xmlns="4873beb7-5857-4685-be1f-d57550cc96cc">TP102801108</AssetId>
-    <IntlLocPriority xmlns="4873beb7-5857-4685-be1f-d57550cc96cc" xsi:nil="true"/>
-    <PolicheckWords xmlns="4873beb7-5857-4685-be1f-d57550cc96cc" xsi:nil="true"/>
-    <TPLaunchHelpLink xmlns="4873beb7-5857-4685-be1f-d57550cc96cc" xsi:nil="true"/>
-    <TPApplication xmlns="4873beb7-5857-4685-be1f-d57550cc96cc" xsi:nil="true"/>
-    <CrawlForDependencies xmlns="4873beb7-5857-4685-be1f-d57550cc96cc">false</CrawlForDependencies>
-    <HandoffToMSDN xmlns="4873beb7-5857-4685-be1f-d57550cc96cc" xsi:nil="true"/>
-    <PlannedPubDate xmlns="4873beb7-5857-4685-be1f-d57550cc96cc" xsi:nil="true"/>
-    <IntlLangReviewer xmlns="4873beb7-5857-4685-be1f-d57550cc96cc" xsi:nil="true"/>
-    <TrustLevel xmlns="4873beb7-5857-4685-be1f-d57550cc96cc">1 Microsoft Managed Content</TrustLevel>
-    <LocLastLocAttemptVersionLookup xmlns="4873beb7-5857-4685-be1f-d57550cc96cc">706526</LocLastLocAttemptVersionLookup>
-    <IsSearchable xmlns="4873beb7-5857-4685-be1f-d57550cc96cc">true</IsSearchable>
-    <TemplateTemplateType xmlns="4873beb7-5857-4685-be1f-d57550cc96cc">PowerPoint Presentation Template</TemplateTemplateType>
-    <CampaignTagsTaxHTField0 xmlns="4873beb7-5857-4685-be1f-d57550cc96cc">
-      <Terms xmlns="http://schemas.microsoft.com/office/infopath/2007/PartnerControls"/>
-    </CampaignTagsTaxHTField0>
-    <TPNamespace xmlns="4873beb7-5857-4685-be1f-d57550cc96cc" xsi:nil="true"/>
-    <TaxCatchAll xmlns="4873beb7-5857-4685-be1f-d57550cc96cc"/>
-    <Markets xmlns="4873beb7-5857-4685-be1f-d57550cc96cc"/>
-    <UAProjectedTotalWords xmlns="4873beb7-5857-4685-be1f-d57550cc96cc" xsi:nil="true"/>
-    <IntlLangReview xmlns="4873beb7-5857-4685-be1f-d57550cc96cc">false</IntlLangReview>
-    <OutputCachingOn xmlns="4873beb7-5857-4685-be1f-d57550cc96cc">false</OutputCachingOn>
-    <AverageRating xmlns="4873beb7-5857-4685-be1f-d57550cc96cc" xsi:nil="true"/>
-    <APAuthor xmlns="4873beb7-5857-4685-be1f-d57550cc96cc">
-      <UserInfo>
-        <DisplayName>REDMOND\v-soujap</DisplayName>
-        <AccountId>1954</AccountId>
-        <AccountType/>
-      </UserInfo>
-    </APAuthor>
-    <LocManualTestRequired xmlns="4873beb7-5857-4685-be1f-d57550cc96cc">false</LocManualTestRequired>
-    <TPCommandLine xmlns="4873beb7-5857-4685-be1f-d57550cc96cc" xsi:nil="true"/>
-    <TPAppVersion xmlns="4873beb7-5857-4685-be1f-d57550cc96cc" xsi:nil="true"/>
-    <EditorialStatus xmlns="4873beb7-5857-4685-be1f-d57550cc96cc">Complete</EditorialStatus>
-    <LastModifiedDateTime xmlns="4873beb7-5857-4685-be1f-d57550cc96cc" xsi:nil="true"/>
-    <ScenarioTagsTaxHTField0 xmlns="4873beb7-5857-4685-be1f-d57550cc96cc">
-      <Terms xmlns="http://schemas.microsoft.com/office/infopath/2007/PartnerControls"/>
-    </ScenarioTagsTaxHTField0>
-    <OriginalRelease xmlns="4873beb7-5857-4685-be1f-d57550cc96cc">14</OriginalRelease>
-    <TPLaunchHelpLinkType xmlns="4873beb7-5857-4685-be1f-d57550cc96cc">Template</TPLaunchHelpLinkType>
-    <LocalizationTagsTaxHTField0 xmlns="4873beb7-5857-4685-be1f-d57550cc96cc">
-      <Terms xmlns="http://schemas.microsoft.com/office/infopath/2007/PartnerControls"/>
-    </LocalizationTagsTaxHTField0>
-    <LocMarketGroupTiers2 xmlns="4873beb7-5857-4685-be1f-d57550cc96cc" xsi:nil="true"/>
-  </documentManagement>
-</p:properties>
+<file path=customXml/itemProps1.xml><?xml version="1.0" encoding="utf-8"?>
+<ds:datastoreItem xmlns:ds="http://schemas.openxmlformats.org/officeDocument/2006/customXml" ds:itemID="{0F249165-F638-412C-8E0A-DFB7045CA2E0}">
+  <ds:schemaRefs>
+    <ds:schemaRef ds:uri="http://purl.org/dc/elements/1.1/"/>
+    <ds:schemaRef ds:uri="4873beb7-5857-4685-be1f-d57550cc96cc"/>
+    <ds:schemaRef ds:uri="http://schemas.openxmlformats.org/package/2006/metadata/core-properties"/>
+    <ds:schemaRef ds:uri="http://purl.org/dc/terms/"/>
+    <ds:schemaRef ds:uri="http://schemas.microsoft.com/office/infopath/2007/PartnerControls"/>
+    <ds:schemaRef ds:uri="http://purl.org/dc/dcmitype/"/>
+    <ds:schemaRef ds:uri="http://schemas.microsoft.com/office/2006/documentManagement/types"/>
+    <ds:schemaRef ds:uri="http://schemas.microsoft.com/office/2006/metadata/properties"/>
+    <ds:schemaRef ds:uri="http://www.w3.org/XML/1998/namespace"/>
+  </ds:schemaRefs>
+</ds:datastoreItem>
 </file>
 
-<file path=customXml/itemProps1.xml><?xml version="1.0" encoding="utf-8"?>
+<file path=customXml/itemProps2.xml><?xml version="1.0" encoding="utf-8"?>
 <ds:datastoreItem xmlns:ds="http://schemas.openxmlformats.org/officeDocument/2006/customXml" ds:itemID="{211E33DF-2340-4F4E-B874-B73FEFEBFC8D}">
   <ds:schemaRefs>
     <ds:schemaRef ds:uri="http://schemas.microsoft.com/sharepoint/v3/contenttype/forms"/>
@@ -25809,7 +26171,7 @@
 </ds:datastoreItem>
 </file>
 
-<file path=customXml/itemProps2.xml><?xml version="1.0" encoding="utf-8"?>
+<file path=customXml/itemProps3.xml><?xml version="1.0" encoding="utf-8"?>
 <ds:datastoreItem xmlns:ds="http://schemas.openxmlformats.org/officeDocument/2006/customXml" ds:itemID="{4683C129-7B42-490A-AD74-E9303BC76D39}">
   <ds:schemaRefs>
     <ds:schemaRef ds:uri="http://schemas.microsoft.com/office/2006/metadata/contentType"/>
@@ -25825,20 +26187,4 @@
     <ds:schemaRef ds:uri="http://schemas.microsoft.com/internal/obd"/>
   </ds:schemaRefs>
 </ds:datastoreItem>
-</file>
-
-<file path=customXml/itemProps3.xml><?xml version="1.0" encoding="utf-8"?>
-<ds:datastoreItem xmlns:ds="http://schemas.openxmlformats.org/officeDocument/2006/customXml" ds:itemID="{0F249165-F638-412C-8E0A-DFB7045CA2E0}">
-  <ds:schemaRefs>
-    <ds:schemaRef ds:uri="http://purl.org/dc/elements/1.1/"/>
-    <ds:schemaRef ds:uri="4873beb7-5857-4685-be1f-d57550cc96cc"/>
-    <ds:schemaRef ds:uri="http://schemas.openxmlformats.org/package/2006/metadata/core-properties"/>
-    <ds:schemaRef ds:uri="http://purl.org/dc/terms/"/>
-    <ds:schemaRef ds:uri="http://schemas.microsoft.com/office/infopath/2007/PartnerControls"/>
-    <ds:schemaRef ds:uri="http://purl.org/dc/dcmitype/"/>
-    <ds:schemaRef ds:uri="http://schemas.microsoft.com/office/2006/documentManagement/types"/>
-    <ds:schemaRef ds:uri="http://schemas.microsoft.com/office/2006/metadata/properties"/>
-    <ds:schemaRef ds:uri="http://www.w3.org/XML/1998/namespace"/>
-  </ds:schemaRefs>
-</ds:datastoreItem>
 </file>